--- a/벼락을느껴_RL_Project보고서.pptx
+++ b/벼락을느껴_RL_Project보고서.pptx
@@ -1091,7 +1091,7 @@
         </p:nvSpPr>
         <p:spPr>
           <a:xfrm>
-            <a:off x="381300" y="685800"/>
+            <a:off x="381000" y="685800"/>
             <a:ext cx="6096000" cy="3429000"/>
           </a:xfrm>
           <a:custGeom>
@@ -1213,7 +1213,7 @@
         </p:nvSpPr>
         <p:spPr>
           <a:xfrm>
-            <a:off x="381300" y="685800"/>
+            <a:off x="381000" y="685800"/>
             <a:ext cx="6096000" cy="3429000"/>
           </a:xfrm>
           <a:custGeom>
@@ -1335,7 +1335,7 @@
         </p:nvSpPr>
         <p:spPr>
           <a:xfrm>
-            <a:off x="381300" y="685800"/>
+            <a:off x="381000" y="685800"/>
             <a:ext cx="6096000" cy="3429000"/>
           </a:xfrm>
           <a:custGeom>
@@ -1457,7 +1457,7 @@
         </p:nvSpPr>
         <p:spPr>
           <a:xfrm>
-            <a:off x="381300" y="685800"/>
+            <a:off x="381000" y="685800"/>
             <a:ext cx="6096000" cy="3429000"/>
           </a:xfrm>
           <a:custGeom>
@@ -1579,7 +1579,7 @@
         </p:nvSpPr>
         <p:spPr>
           <a:xfrm>
-            <a:off x="381300" y="685800"/>
+            <a:off x="381000" y="685800"/>
             <a:ext cx="6096000" cy="3429000"/>
           </a:xfrm>
           <a:custGeom>
@@ -1701,7 +1701,7 @@
         </p:nvSpPr>
         <p:spPr>
           <a:xfrm>
-            <a:off x="381300" y="685800"/>
+            <a:off x="381000" y="685800"/>
             <a:ext cx="6096000" cy="3429000"/>
           </a:xfrm>
           <a:custGeom>
@@ -2293,7 +2293,7 @@
         </p:nvSpPr>
         <p:spPr>
           <a:xfrm>
-            <a:off x="381300" y="685800"/>
+            <a:off x="381000" y="685800"/>
             <a:ext cx="6096000" cy="3429000"/>
           </a:xfrm>
           <a:custGeom>
@@ -2903,7 +2903,7 @@
         </p:nvSpPr>
         <p:spPr>
           <a:xfrm>
-            <a:off x="381300" y="685800"/>
+            <a:off x="381000" y="685800"/>
             <a:ext cx="6096000" cy="3429000"/>
           </a:xfrm>
           <a:custGeom>
@@ -7932,7 +7932,7 @@
         </p:spPr>
         <p:txBody>
           <a:bodyPr spcFirstLastPara="1" wrap="square" lIns="68575" tIns="34275" rIns="68575" bIns="34275" anchor="t" anchorCtr="0">
-            <a:normAutofit/>
+            <a:normAutofit fontScale="92500" lnSpcReduction="20000"/>
           </a:bodyPr>
           <a:lstStyle/>
           <a:p>
@@ -8587,7 +8587,7 @@
         </p:spPr>
         <p:txBody>
           <a:bodyPr spcFirstLastPara="1" wrap="square" lIns="68575" tIns="34275" rIns="68575" bIns="34275" anchor="t" anchorCtr="0">
-            <a:normAutofit fontScale="92500"/>
+            <a:normAutofit fontScale="92500" lnSpcReduction="20000"/>
           </a:bodyPr>
           <a:lstStyle/>
           <a:p>
@@ -8661,7 +8661,7 @@
               <a:defRPr/>
             </a:pPr>
             <a:r>
-              <a:rPr lang="ko" sz="1200">
+              <a:rPr lang="ko" sz="1200" dirty="0">
                 <a:solidFill>
                   <a:schemeClr val="dk2"/>
                 </a:solidFill>
@@ -8669,7 +8669,29 @@
                 <a:ea typeface="함초롬돋움"/>
                 <a:cs typeface="함초롬돋움"/>
               </a:rPr>
-              <a:t>num_episodes = 4000 :복잡한 환경에서 최소 수천 episode 학습</a:t>
+              <a:t>num_episodes = </a:t>
+            </a:r>
+            <a:r>
+              <a:rPr lang="en-US" altLang="ko" sz="1200" dirty="0">
+                <a:solidFill>
+                  <a:schemeClr val="dk2"/>
+                </a:solidFill>
+                <a:latin typeface="함초롬돋움"/>
+                <a:ea typeface="함초롬돋움"/>
+                <a:cs typeface="함초롬돋움"/>
+              </a:rPr>
+              <a:t>7</a:t>
+            </a:r>
+            <a:r>
+              <a:rPr lang="ko" sz="1200" dirty="0">
+                <a:solidFill>
+                  <a:schemeClr val="dk2"/>
+                </a:solidFill>
+                <a:latin typeface="함초롬돋움"/>
+                <a:ea typeface="함초롬돋움"/>
+                <a:cs typeface="함초롬돋움"/>
+              </a:rPr>
+              <a:t>000</a:t>
             </a:r>
           </a:p>
           <a:p>
@@ -8688,7 +8710,7 @@
               <a:defRPr/>
             </a:pPr>
             <a:r>
-              <a:rPr lang="ko" sz="1200">
+              <a:rPr lang="ko" sz="1200" dirty="0">
                 <a:solidFill>
                   <a:schemeClr val="dk2"/>
                 </a:solidFill>
@@ -8715,7 +8737,7 @@
               <a:defRPr/>
             </a:pPr>
             <a:r>
-              <a:rPr lang="ko" sz="1200">
+              <a:rPr lang="ko" sz="1200" dirty="0">
                 <a:solidFill>
                   <a:schemeClr val="dk2"/>
                 </a:solidFill>
@@ -8742,7 +8764,7 @@
               <a:defRPr/>
             </a:pPr>
             <a:r>
-              <a:rPr lang="ko" sz="1200">
+              <a:rPr lang="ko" sz="1200" dirty="0">
                 <a:solidFill>
                   <a:schemeClr val="dk2"/>
                 </a:solidFill>
@@ -8750,7 +8772,29 @@
                 <a:ea typeface="함초롬돋움"/>
                 <a:cs typeface="함초롬돋움"/>
               </a:rPr>
-              <a:t>batch_size = 4096 : 대규모 배치</a:t>
+              <a:t>batch_size = </a:t>
+            </a:r>
+            <a:r>
+              <a:rPr lang="en-US" altLang="ko" sz="1200" dirty="0">
+                <a:solidFill>
+                  <a:schemeClr val="dk2"/>
+                </a:solidFill>
+                <a:latin typeface="함초롬돋움"/>
+                <a:ea typeface="함초롬돋움"/>
+                <a:cs typeface="함초롬돋움"/>
+              </a:rPr>
+              <a:t>8192</a:t>
+            </a:r>
+            <a:r>
+              <a:rPr lang="ko" sz="1200" dirty="0">
+                <a:solidFill>
+                  <a:schemeClr val="dk2"/>
+                </a:solidFill>
+                <a:latin typeface="함초롬돋움"/>
+                <a:ea typeface="함초롬돋움"/>
+                <a:cs typeface="함초롬돋움"/>
+              </a:rPr>
+              <a:t> : 대규모 배치</a:t>
             </a:r>
           </a:p>
           <a:p>
@@ -8769,7 +8813,7 @@
               <a:defRPr/>
             </a:pPr>
             <a:r>
-              <a:rPr lang="ko" sz="1200">
+              <a:rPr lang="ko" sz="1200" dirty="0">
                 <a:solidFill>
                   <a:schemeClr val="dk2"/>
                 </a:solidFill>
@@ -8777,7 +8821,29 @@
                 <a:ea typeface="함초롬돋움"/>
                 <a:cs typeface="함초롬돋움"/>
               </a:rPr>
-              <a:t>gamma = 0.99 : 장기적 보상 반영</a:t>
+              <a:t>gamma = 0.9</a:t>
+            </a:r>
+            <a:r>
+              <a:rPr lang="en-US" altLang="ko" sz="1200" dirty="0">
+                <a:solidFill>
+                  <a:schemeClr val="dk2"/>
+                </a:solidFill>
+                <a:latin typeface="함초롬돋움"/>
+                <a:ea typeface="함초롬돋움"/>
+                <a:cs typeface="함초롬돋움"/>
+              </a:rPr>
+              <a:t>85</a:t>
+            </a:r>
+            <a:r>
+              <a:rPr lang="ko" sz="1200" dirty="0">
+                <a:solidFill>
+                  <a:schemeClr val="dk2"/>
+                </a:solidFill>
+                <a:latin typeface="함초롬돋움"/>
+                <a:ea typeface="함초롬돋움"/>
+                <a:cs typeface="함초롬돋움"/>
+              </a:rPr>
+              <a:t> : 장기적 보상 반영</a:t>
             </a:r>
           </a:p>
           <a:p>
@@ -8796,7 +8862,7 @@
               <a:defRPr/>
             </a:pPr>
             <a:r>
-              <a:rPr lang="ko" sz="1200">
+              <a:rPr lang="ko" sz="1200" dirty="0">
                 <a:solidFill>
                   <a:schemeClr val="dk2"/>
                 </a:solidFill>
@@ -8823,7 +8889,7 @@
               <a:defRPr/>
             </a:pPr>
             <a:r>
-              <a:rPr lang="ko" sz="1200">
+              <a:rPr lang="ko" sz="1200" dirty="0">
                 <a:solidFill>
                   <a:schemeClr val="dk2"/>
                 </a:solidFill>
@@ -8831,7 +8897,29 @@
                 <a:ea typeface="함초롬돋움"/>
                 <a:cs typeface="함초롬돋움"/>
               </a:rPr>
-              <a:t>start_learning = 20000 : 256개 환경 기준 78 step 이후 학습</a:t>
+              <a:t>start_learning = </a:t>
+            </a:r>
+            <a:r>
+              <a:rPr lang="en-US" altLang="ko" sz="1200" dirty="0">
+                <a:solidFill>
+                  <a:schemeClr val="dk2"/>
+                </a:solidFill>
+                <a:latin typeface="함초롬돋움"/>
+                <a:ea typeface="함초롬돋움"/>
+                <a:cs typeface="함초롬돋움"/>
+              </a:rPr>
+              <a:t>5</a:t>
+            </a:r>
+            <a:r>
+              <a:rPr lang="ko" sz="1200" dirty="0">
+                <a:solidFill>
+                  <a:schemeClr val="dk2"/>
+                </a:solidFill>
+                <a:latin typeface="함초롬돋움"/>
+                <a:ea typeface="함초롬돋움"/>
+                <a:cs typeface="함초롬돋움"/>
+              </a:rPr>
+              <a:t>0000</a:t>
             </a:r>
           </a:p>
           <a:p>
@@ -8850,7 +8938,7 @@
               <a:defRPr/>
             </a:pPr>
             <a:r>
-              <a:rPr lang="ko" sz="1200">
+              <a:rPr lang="ko" sz="1200" dirty="0">
                 <a:solidFill>
                   <a:schemeClr val="dk2"/>
                 </a:solidFill>
@@ -8877,7 +8965,7 @@
               <a:defRPr/>
             </a:pPr>
             <a:r>
-              <a:rPr lang="ko" sz="1200">
+              <a:rPr lang="ko" sz="1200" dirty="0">
                 <a:solidFill>
                   <a:schemeClr val="dk2"/>
                 </a:solidFill>
@@ -8887,7 +8975,7 @@
               </a:rPr>
               <a:t>target_update_interval = 5000 : target network update 주기 </a:t>
             </a:r>
-            <a:endParaRPr sz="1200">
+            <a:endParaRPr sz="1200" dirty="0">
               <a:solidFill>
                 <a:schemeClr val="dk2"/>
               </a:solidFill>
@@ -8900,30 +8988,32 @@
       </p:sp>
       <p:pic>
         <p:nvPicPr>
-          <p:cNvPr id="101" name="Google Shape;101;g3ad5da20bcc_1_106"/>
-          <p:cNvPicPr preferRelativeResize="0"/>
+          <p:cNvPr id="5" name="그림 4" descr="텍스트, 스크린샷, 폰트이(가) 표시된 사진&#10;&#10;AI 생성 콘텐츠는 정확하지 않을 수 있습니다.">
+            <a:extLst>
+              <a:ext uri="{FF2B5EF4-FFF2-40B4-BE49-F238E27FC236}">
+                <a16:creationId xmlns:a16="http://schemas.microsoft.com/office/drawing/2014/main" id="{29771D15-28F1-1205-76EA-31B9B8760B42}"/>
+              </a:ext>
+            </a:extLst>
+          </p:cNvPr>
+          <p:cNvPicPr>
+            <a:picLocks noChangeAspect="1"/>
+          </p:cNvPicPr>
           <p:nvPr/>
         </p:nvPicPr>
         <p:blipFill>
-          <a:blip r:embed="rId3">
-            <a:alphaModFix/>
-          </a:blip>
+          <a:blip r:embed="rId3"/>
           <a:stretch>
             <a:fillRect/>
           </a:stretch>
         </p:blipFill>
         <p:spPr>
           <a:xfrm>
-            <a:off x="477650" y="1207700"/>
-            <a:ext cx="5502951" cy="2020000"/>
+            <a:off x="410100" y="1166616"/>
+            <a:ext cx="5556456" cy="1914900"/>
           </a:xfrm>
           <a:prstGeom prst="rect">
             <a:avLst/>
           </a:prstGeom>
-          <a:noFill/>
-          <a:ln>
-            <a:noFill/>
-          </a:ln>
         </p:spPr>
       </p:pic>
     </p:spTree>
@@ -9039,7 +9129,7 @@
         </p:spPr>
         <p:txBody>
           <a:bodyPr spcFirstLastPara="1" wrap="square" lIns="68575" tIns="34275" rIns="68575" bIns="34275" anchor="t" anchorCtr="0">
-            <a:normAutofit/>
+            <a:normAutofit fontScale="92500" lnSpcReduction="20000"/>
           </a:bodyPr>
           <a:lstStyle/>
           <a:p>
@@ -9761,7 +9851,7 @@
         </p:spPr>
         <p:txBody>
           <a:bodyPr spcFirstLastPara="1" wrap="square" lIns="68575" tIns="34275" rIns="68575" bIns="34275" anchor="t" anchorCtr="0">
-            <a:normAutofit/>
+            <a:normAutofit fontScale="92500" lnSpcReduction="20000"/>
           </a:bodyPr>
           <a:lstStyle/>
           <a:p>
@@ -9908,7 +9998,7 @@
         </p:spPr>
         <p:txBody>
           <a:bodyPr spcFirstLastPara="1" wrap="square" lIns="68575" tIns="34275" rIns="68575" bIns="34275" anchor="t" anchorCtr="0">
-            <a:normAutofit fontScale="92500"/>
+            <a:normAutofit fontScale="92500" lnSpcReduction="20000"/>
           </a:bodyPr>
           <a:lstStyle/>
           <a:p>
@@ -9982,7 +10072,7 @@
               <a:defRPr/>
             </a:pPr>
             <a:r>
-              <a:rPr lang="ko" sz="1100">
+              <a:rPr lang="ko" sz="1100" dirty="0">
                 <a:solidFill>
                   <a:schemeClr val="dk2"/>
                 </a:solidFill>
@@ -9990,7 +10080,29 @@
                 <a:ea typeface="함초롬돋움"/>
                 <a:cs typeface="함초롬돋움"/>
               </a:rPr>
-              <a:t>num_episodes = 100000 </a:t>
+              <a:t>num_episodes = </a:t>
+            </a:r>
+            <a:r>
+              <a:rPr lang="en-US" altLang="ko" sz="1100" dirty="0">
+                <a:solidFill>
+                  <a:schemeClr val="dk2"/>
+                </a:solidFill>
+                <a:latin typeface="함초롬돋움"/>
+                <a:ea typeface="함초롬돋움"/>
+                <a:cs typeface="함초롬돋움"/>
+              </a:rPr>
+              <a:t>7</a:t>
+            </a:r>
+            <a:r>
+              <a:rPr lang="ko" sz="1100" dirty="0">
+                <a:solidFill>
+                  <a:schemeClr val="dk2"/>
+                </a:solidFill>
+                <a:latin typeface="함초롬돋움"/>
+                <a:ea typeface="함초롬돋움"/>
+                <a:cs typeface="함초롬돋움"/>
+              </a:rPr>
+              <a:t>000 </a:t>
             </a:r>
           </a:p>
           <a:p>
@@ -10009,7 +10121,7 @@
               <a:defRPr/>
             </a:pPr>
             <a:r>
-              <a:rPr lang="ko" sz="1100">
+              <a:rPr lang="ko" sz="1100" dirty="0">
                 <a:solidFill>
                   <a:schemeClr val="dk2"/>
                 </a:solidFill>
@@ -10036,7 +10148,7 @@
               <a:defRPr/>
             </a:pPr>
             <a:r>
-              <a:rPr lang="ko" sz="1100">
+              <a:rPr lang="ko" sz="1100" dirty="0">
                 <a:solidFill>
                   <a:schemeClr val="dk2"/>
                 </a:solidFill>
@@ -10063,7 +10175,7 @@
               <a:defRPr/>
             </a:pPr>
             <a:r>
-              <a:rPr lang="ko" sz="1100">
+              <a:rPr lang="ko" sz="1100" dirty="0">
                 <a:solidFill>
                   <a:schemeClr val="dk2"/>
                 </a:solidFill>
@@ -10090,7 +10202,7 @@
               <a:defRPr/>
             </a:pPr>
             <a:r>
-              <a:rPr lang="ko" sz="1100">
+              <a:rPr lang="ko" sz="1100" dirty="0">
                 <a:solidFill>
                   <a:schemeClr val="dk2"/>
                 </a:solidFill>
@@ -10117,7 +10229,7 @@
               <a:defRPr/>
             </a:pPr>
             <a:r>
-              <a:rPr lang="ko" sz="1100">
+              <a:rPr lang="ko" sz="1100" dirty="0">
                 <a:solidFill>
                   <a:schemeClr val="dk2"/>
                 </a:solidFill>
@@ -10144,7 +10256,7 @@
               <a:defRPr/>
             </a:pPr>
             <a:r>
-              <a:rPr lang="ko" sz="1100">
+              <a:rPr lang="ko" sz="1100" dirty="0">
                 <a:solidFill>
                   <a:schemeClr val="dk2"/>
                 </a:solidFill>
@@ -10171,7 +10283,7 @@
               <a:defRPr/>
             </a:pPr>
             <a:r>
-              <a:rPr lang="ko" sz="1100">
+              <a:rPr lang="ko" sz="1100" dirty="0">
                 <a:solidFill>
                   <a:schemeClr val="dk2"/>
                 </a:solidFill>
@@ -10198,7 +10310,7 @@
               <a:defRPr/>
             </a:pPr>
             <a:r>
-              <a:rPr lang="ko" sz="1100">
+              <a:rPr lang="ko" sz="1100" dirty="0">
                 <a:solidFill>
                   <a:schemeClr val="dk2"/>
                 </a:solidFill>
@@ -10225,7 +10337,7 @@
               <a:defRPr/>
             </a:pPr>
             <a:r>
-              <a:rPr lang="ko" sz="1100">
+              <a:rPr lang="ko" sz="1100" dirty="0">
                 <a:solidFill>
                   <a:schemeClr val="dk2"/>
                 </a:solidFill>
@@ -10252,7 +10364,7 @@
               <a:defRPr/>
             </a:pPr>
             <a:r>
-              <a:rPr lang="ko" sz="1100">
+              <a:rPr lang="ko" sz="1100" dirty="0">
                 <a:solidFill>
                   <a:schemeClr val="dk2"/>
                 </a:solidFill>
@@ -10279,7 +10391,7 @@
               <a:defRPr/>
             </a:pPr>
             <a:r>
-              <a:rPr lang="ko" sz="1100">
+              <a:rPr lang="ko" sz="1100" dirty="0">
                 <a:solidFill>
                   <a:schemeClr val="dk2"/>
                 </a:solidFill>
@@ -10306,7 +10418,7 @@
               <a:defRPr/>
             </a:pPr>
             <a:r>
-              <a:rPr lang="ko" sz="1100">
+              <a:rPr lang="ko" sz="1100" dirty="0">
                 <a:solidFill>
                   <a:schemeClr val="dk2"/>
                 </a:solidFill>
@@ -10316,7 +10428,7 @@
               </a:rPr>
               <a:t>target_kl = 0.02  : KL divergence early-stop 기준</a:t>
             </a:r>
-            <a:endParaRPr sz="1100">
+            <a:endParaRPr sz="1100" dirty="0">
               <a:solidFill>
                 <a:schemeClr val="dk2"/>
               </a:solidFill>
@@ -10329,29 +10441,32 @@
       </p:sp>
       <p:pic>
         <p:nvPicPr>
-          <p:cNvPr id="126" name="Google Shape;126;g3ad5da20bcc_1_20"/>
-          <p:cNvPicPr preferRelativeResize="0"/>
+          <p:cNvPr id="5" name="그림 4" descr="텍스트, 스크린샷, 폰트이(가) 표시된 사진&#10;&#10;AI 생성 콘텐츠는 정확하지 않을 수 있습니다.">
+            <a:extLst>
+              <a:ext uri="{FF2B5EF4-FFF2-40B4-BE49-F238E27FC236}">
+                <a16:creationId xmlns:a16="http://schemas.microsoft.com/office/drawing/2014/main" id="{518DCA53-6725-3D7C-EE0E-7DD1FDC9165D}"/>
+              </a:ext>
+            </a:extLst>
+          </p:cNvPr>
+          <p:cNvPicPr>
+            <a:picLocks noChangeAspect="1"/>
+          </p:cNvPicPr>
           <p:nvPr/>
         </p:nvPicPr>
-        <p:blipFill rotWithShape="1">
-          <a:blip r:embed="rId3">
-            <a:alphaModFix/>
-          </a:blip>
-          <a:srcRect r="7842"/>
-          <a:stretch/>
+        <p:blipFill>
+          <a:blip r:embed="rId3"/>
+          <a:stretch>
+            <a:fillRect/>
+          </a:stretch>
         </p:blipFill>
         <p:spPr>
           <a:xfrm>
-            <a:off x="410100" y="1297775"/>
-            <a:ext cx="4282050" cy="2920275"/>
+            <a:off x="410101" y="1297775"/>
+            <a:ext cx="4271314" cy="2733898"/>
           </a:xfrm>
           <a:prstGeom prst="rect">
             <a:avLst/>
           </a:prstGeom>
-          <a:noFill/>
-          <a:ln>
-            <a:noFill/>
-          </a:ln>
         </p:spPr>
       </p:pic>
     </p:spTree>
@@ -10455,7 +10570,7 @@
         <p:spPr>
           <a:xfrm>
             <a:off x="0" y="597400"/>
-            <a:ext cx="9200700" cy="4754700"/>
+            <a:ext cx="9200700" cy="4445172"/>
           </a:xfrm>
           <a:prstGeom prst="rect">
             <a:avLst/>
@@ -10486,7 +10601,7 @@
               <a:defRPr/>
             </a:pPr>
             <a:r>
-              <a:rPr lang="ko" sz="1700" b="1">
+              <a:rPr lang="ko" sz="1700" b="1" dirty="0">
                 <a:solidFill>
                   <a:srgbClr val="1155CC"/>
                 </a:solidFill>
@@ -10513,7 +10628,7 @@
               <a:defRPr/>
             </a:pPr>
             <a:r>
-              <a:rPr lang="ko" sz="1400" b="1">
+              <a:rPr lang="ko" sz="1400" b="1" dirty="0">
                 <a:latin typeface="함초롬돋움"/>
                 <a:ea typeface="함초롬돋움"/>
                 <a:cs typeface="함초롬돋움"/>
@@ -10538,7 +10653,7 @@
               <a:defRPr/>
             </a:pPr>
             <a:r>
-              <a:rPr lang="ko" sz="1100">
+              <a:rPr lang="ko" sz="1100" dirty="0">
                 <a:latin typeface="함초롬돋움"/>
                 <a:ea typeface="함초롬돋움"/>
                 <a:cs typeface="함초롬돋움"/>
@@ -10564,7 +10679,7 @@
               <a:defRPr/>
             </a:pPr>
             <a:r>
-              <a:rPr lang="ko" sz="1400" b="1">
+              <a:rPr lang="ko" sz="1400" b="1" dirty="0">
                 <a:latin typeface="함초롬돋움"/>
                 <a:ea typeface="함초롬돋움"/>
                 <a:cs typeface="함초롬돋움"/>
@@ -10590,7 +10705,7 @@
               <a:defRPr/>
             </a:pPr>
             <a:r>
-              <a:rPr lang="ko" sz="1100" b="1">
+              <a:rPr lang="ko" sz="1100" b="1" dirty="0">
                 <a:latin typeface="함초롬돋움"/>
                 <a:ea typeface="함초롬돋움"/>
                 <a:cs typeface="함초롬돋움"/>
@@ -10616,7 +10731,7 @@
               <a:defRPr/>
             </a:pPr>
             <a:r>
-              <a:rPr lang="ko" sz="900" b="1">
+              <a:rPr lang="ko" sz="900" b="1" dirty="0">
                 <a:latin typeface="함초롬돋움"/>
                 <a:ea typeface="함초롬돋움"/>
                 <a:cs typeface="함초롬돋움"/>
@@ -10625,7 +10740,7 @@
               <a:t>Device:</a:t>
             </a:r>
             <a:r>
-              <a:rPr lang="ko" sz="900">
+              <a:rPr lang="ko" sz="900" dirty="0">
                 <a:latin typeface="함초롬돋움"/>
                 <a:ea typeface="함초롬돋움"/>
                 <a:cs typeface="함초롬돋움"/>
@@ -10634,7 +10749,7 @@
               <a:t> </a:t>
             </a:r>
             <a:r>
-              <a:rPr lang="ko" sz="900" b="1">
+              <a:rPr lang="ko" sz="900" b="1" dirty="0">
                 <a:latin typeface="함초롬돋움"/>
                 <a:ea typeface="함초롬돋움"/>
                 <a:cs typeface="함초롬돋움"/>
@@ -10660,7 +10775,7 @@
               <a:defRPr/>
             </a:pPr>
             <a:r>
-              <a:rPr lang="ko" sz="900" b="1">
+              <a:rPr lang="ko" sz="900" b="1" dirty="0">
                 <a:latin typeface="함초롬돋움"/>
                 <a:ea typeface="함초롬돋움"/>
                 <a:cs typeface="함초롬돋움"/>
@@ -10669,7 +10784,7 @@
               <a:t>Environment:</a:t>
             </a:r>
             <a:r>
-              <a:rPr lang="ko" sz="900">
+              <a:rPr lang="ko" sz="900" dirty="0">
                 <a:latin typeface="함초롬돋움"/>
                 <a:ea typeface="함초롬돋움"/>
                 <a:cs typeface="함초롬돋움"/>
@@ -10695,7 +10810,7 @@
               <a:defRPr/>
             </a:pPr>
             <a:r>
-              <a:rPr lang="ko" sz="900" b="1">
+              <a:rPr lang="ko" sz="900" b="1" dirty="0">
                 <a:latin typeface="함초롬돋움"/>
                 <a:ea typeface="함초롬돋움"/>
                 <a:cs typeface="함초롬돋움"/>
@@ -10704,7 +10819,7 @@
               <a:t>Performance:</a:t>
             </a:r>
             <a:r>
-              <a:rPr lang="ko" sz="900">
+              <a:rPr lang="ko" sz="900" dirty="0">
                 <a:latin typeface="함초롬돋움"/>
                 <a:ea typeface="함초롬돋움"/>
                 <a:cs typeface="함초롬돋움"/>
@@ -10730,7 +10845,7 @@
               <a:defRPr/>
             </a:pPr>
             <a:r>
-              <a:rPr lang="ko" sz="1100" b="1">
+              <a:rPr lang="ko" sz="1100" b="1" dirty="0">
                 <a:latin typeface="함초롬돋움"/>
                 <a:ea typeface="함초롬돋움"/>
                 <a:cs typeface="함초롬돋움"/>
@@ -10756,7 +10871,7 @@
               <a:defRPr/>
             </a:pPr>
             <a:r>
-              <a:rPr lang="ko" sz="900">
+              <a:rPr lang="ko" sz="900" dirty="0">
                 <a:latin typeface="함초롬돋움"/>
                 <a:ea typeface="함초롬돋움"/>
                 <a:cs typeface="함초롬돋움"/>
@@ -10782,7 +10897,7 @@
               <a:defRPr/>
             </a:pPr>
             <a:r>
-              <a:rPr lang="ko" sz="1100" b="1">
+              <a:rPr lang="ko" sz="1100" b="1" dirty="0">
                 <a:latin typeface="함초롬돋움"/>
                 <a:ea typeface="함초롬돋움"/>
                 <a:cs typeface="함초롬돋움"/>
@@ -10808,7 +10923,7 @@
               <a:defRPr/>
             </a:pPr>
             <a:r>
-              <a:rPr lang="ko" sz="900">
+              <a:rPr lang="ko" sz="900" dirty="0">
                 <a:latin typeface="함초롬돋움"/>
                 <a:ea typeface="함초롬돋움"/>
                 <a:cs typeface="함초롬돋움"/>
@@ -10834,7 +10949,7 @@
               <a:defRPr/>
             </a:pPr>
             <a:r>
-              <a:rPr lang="ko" sz="1700" b="1">
+              <a:rPr lang="ko" sz="1700" b="1" dirty="0">
                 <a:solidFill>
                   <a:srgbClr val="1155CC"/>
                 </a:solidFill>
@@ -10845,7 +10960,7 @@
               <a:t>평가 지표</a:t>
             </a:r>
             <a:r>
-              <a:rPr lang="ko" sz="1700" b="1">
+              <a:rPr lang="ko" sz="1700" b="1" dirty="0">
                 <a:latin typeface="함초롬돋움"/>
                 <a:ea typeface="함초롬돋움"/>
                 <a:cs typeface="함초롬돋움"/>
@@ -10871,7 +10986,7 @@
               <a:defRPr/>
             </a:pPr>
             <a:r>
-              <a:rPr lang="ko" sz="1400" b="1">
+              <a:rPr lang="ko" sz="1400" b="1" dirty="0">
                 <a:latin typeface="함초롬돋움"/>
                 <a:ea typeface="함초롬돋움"/>
                 <a:cs typeface="함초롬돋움"/>
@@ -10880,7 +10995,7 @@
               <a:t>주요지표 : </a:t>
             </a:r>
             <a:r>
-              <a:rPr lang="ko" sz="1400">
+              <a:rPr lang="ko" sz="1400" dirty="0">
                 <a:latin typeface="함초롬돋움"/>
                 <a:ea typeface="함초롬돋움"/>
                 <a:cs typeface="함초롬돋움"/>
@@ -10906,7 +11021,7 @@
               <a:defRPr/>
             </a:pPr>
             <a:r>
-              <a:rPr lang="ko" sz="1100">
+              <a:rPr lang="ko" sz="1100" dirty="0">
                 <a:latin typeface="함초롬돋움"/>
                 <a:ea typeface="함초롬돋움"/>
                 <a:cs typeface="함초롬돋움"/>
@@ -10932,7 +11047,7 @@
               <a:defRPr/>
             </a:pPr>
             <a:r>
-              <a:rPr lang="ko" sz="1400" b="1">
+              <a:rPr lang="ko" sz="1400" b="1" dirty="0">
                 <a:latin typeface="함초롬돋움"/>
                 <a:ea typeface="함초롬돋움"/>
                 <a:cs typeface="함초롬돋움"/>
@@ -10941,7 +11056,7 @@
               <a:t>신뢰도 지표 : </a:t>
             </a:r>
             <a:r>
-              <a:rPr lang="ko" sz="1400">
+              <a:rPr lang="ko" sz="1400" dirty="0">
                 <a:latin typeface="함초롬돋움"/>
                 <a:ea typeface="함초롬돋움"/>
                 <a:cs typeface="함초롬돋움"/>
@@ -10967,7 +11082,7 @@
               <a:defRPr/>
             </a:pPr>
             <a:r>
-              <a:rPr lang="ko" sz="1100">
+              <a:rPr lang="ko" sz="1100" dirty="0">
                 <a:latin typeface="함초롬돋움"/>
                 <a:ea typeface="함초롬돋움"/>
                 <a:cs typeface="함초롬돋움"/>
@@ -10993,7 +11108,7 @@
               <a:defRPr/>
             </a:pPr>
             <a:r>
-              <a:rPr lang="ko" sz="1400" b="1">
+              <a:rPr lang="ko" sz="1400" b="1" dirty="0">
                 <a:latin typeface="함초롬돋움"/>
                 <a:ea typeface="함초롬돋움"/>
                 <a:cs typeface="함초롬돋움"/>
@@ -11002,7 +11117,7 @@
               <a:t>정성분석 : </a:t>
             </a:r>
             <a:r>
-              <a:rPr lang="ko" sz="1400">
+              <a:rPr lang="ko" sz="1400" dirty="0">
                 <a:latin typeface="함초롬돋움"/>
                 <a:ea typeface="함초롬돋움"/>
                 <a:cs typeface="함초롬돋움"/>
@@ -11028,7 +11143,7 @@
               <a:defRPr/>
             </a:pPr>
             <a:r>
-              <a:rPr lang="ko" sz="1100">
+              <a:rPr lang="ko" sz="1100" dirty="0">
                 <a:latin typeface="함초롬돋움"/>
                 <a:ea typeface="함초롬돋움"/>
                 <a:cs typeface="함초롬돋움"/>
@@ -11052,7 +11167,7 @@
               <a:buNone/>
               <a:defRPr/>
             </a:pPr>
-            <a:endParaRPr sz="1200">
+            <a:endParaRPr sz="1200" dirty="0">
               <a:latin typeface="함초롬돋움"/>
               <a:ea typeface="함초롬돋움"/>
               <a:cs typeface="함초롬돋움"/>
@@ -13635,7 +13750,7 @@
         </p:spPr>
         <p:txBody>
           <a:bodyPr wrap="square" lIns="68575" tIns="34275" rIns="68575" bIns="34275" anchor="t" anchorCtr="0">
-            <a:normAutofit lnSpcReduction="20000"/>
+            <a:normAutofit/>
           </a:bodyPr>
           <a:lstStyle/>
           <a:p>
@@ -19176,7 +19291,7 @@
         </p:spPr>
         <p:txBody>
           <a:bodyPr wrap="square" lIns="68575" tIns="34275" rIns="68575" bIns="34275" anchor="t" anchorCtr="0">
-            <a:normAutofit/>
+            <a:normAutofit fontScale="92500" lnSpcReduction="20000"/>
           </a:bodyPr>
           <a:lstStyle/>
           <a:p>
@@ -25447,7 +25562,7 @@
         </p:spPr>
         <p:txBody>
           <a:bodyPr spcFirstLastPara="1" wrap="square" lIns="68575" tIns="34275" rIns="68575" bIns="34275" anchor="t" anchorCtr="0">
-            <a:normAutofit/>
+            <a:normAutofit fontScale="92500" lnSpcReduction="20000"/>
           </a:bodyPr>
           <a:lstStyle/>
           <a:p>

--- a/벼락을느껴_RL_Project보고서.pptx
+++ b/벼락을느껴_RL_Project보고서.pptx
@@ -2781,7 +2781,7 @@
         </p:nvSpPr>
         <p:spPr>
           <a:xfrm>
-            <a:off x="381300" y="685800"/>
+            <a:off x="381000" y="685800"/>
             <a:ext cx="6096000" cy="3429000"/>
           </a:xfrm>
           <a:custGeom>
@@ -13475,50 +13475,6 @@
               <a:ea typeface="함초롬돋움"/>
               <a:cs typeface="함초롬돋움"/>
             </a:endParaRPr>
-          </a:p>
-        </p:txBody>
-      </p:sp>
-      <p:sp>
-        <p:nvSpPr>
-          <p:cNvPr id="164" name="Google Shape;164;g3ad5da20bcc_4_97"/>
-          <p:cNvSpPr/>
-          <p:nvPr/>
-        </p:nvSpPr>
-        <p:spPr>
-          <a:xfrm>
-            <a:off x="-6847" y="4505732"/>
-            <a:ext cx="5084894" cy="315300"/>
-          </a:xfrm>
-          <a:prstGeom prst="rect">
-            <a:avLst/>
-          </a:prstGeom>
-          <a:noFill/>
-          <a:ln w="38100" cap="flat" cmpd="sng">
-            <a:solidFill>
-              <a:srgbClr val="FF0000"/>
-            </a:solidFill>
-            <a:prstDash val="solid"/>
-            <a:round/>
-            <a:headEnd type="none" w="sm" len="sm"/>
-            <a:tailEnd type="none" w="sm" len="sm"/>
-          </a:ln>
-        </p:spPr>
-        <p:txBody>
-          <a:bodyPr spcFirstLastPara="1" wrap="square" lIns="91425" tIns="91425" rIns="91425" bIns="91425" anchor="ctr" anchorCtr="0">
-            <a:noAutofit/>
-          </a:bodyPr>
-          <a:lstStyle/>
-          <a:p>
-            <a:pPr marL="0" lvl="0" indent="0" algn="ctr" rtl="0">
-              <a:spcBef>
-                <a:spcPts val="0"/>
-              </a:spcBef>
-              <a:spcAft>
-                <a:spcPts val="0"/>
-              </a:spcAft>
-              <a:buNone/>
-            </a:pPr>
-            <a:endParaRPr/>
           </a:p>
         </p:txBody>
       </p:sp>
@@ -18582,21 +18538,23 @@
               <a:defRPr/>
             </a:pPr>
             <a:r>
-              <a:rPr lang="ko" sz="2100">
+              <a:rPr lang="ko" sz="2100" dirty="0">
                 <a:solidFill>
                   <a:srgbClr val="1C4587"/>
                 </a:solidFill>
-                <a:latin typeface="한컴 윤고딕 760"/>
-                <a:ea typeface="한컴 윤고딕 760"/>
+                <a:latin typeface="함초롬돋움" panose="020B0604000101010101" pitchFamily="50" charset="-127"/>
+                <a:ea typeface="함초롬돋움" panose="020B0604000101010101" pitchFamily="50" charset="-127"/>
+                <a:cs typeface="함초롬돋움" panose="020B0604000101010101" pitchFamily="50" charset="-127"/>
               </a:rPr>
               <a:t>최종 실험 결과(Cont.)</a:t>
             </a:r>
-            <a:endParaRPr sz="2100" b="0">
+            <a:endParaRPr sz="2100" b="0" dirty="0">
               <a:solidFill>
                 <a:srgbClr val="1C4587"/>
               </a:solidFill>
-              <a:latin typeface="한컴 윤고딕 760"/>
-              <a:ea typeface="한컴 윤고딕 760"/>
+              <a:latin typeface="함초롬돋움" panose="020B0604000101010101" pitchFamily="50" charset="-127"/>
+              <a:ea typeface="함초롬돋움" panose="020B0604000101010101" pitchFamily="50" charset="-127"/>
+              <a:cs typeface="함초롬돋움" panose="020B0604000101010101" pitchFamily="50" charset="-127"/>
             </a:endParaRPr>
           </a:p>
         </p:txBody>
@@ -18648,9 +18606,9 @@
                 <a:solidFill>
                   <a:srgbClr val="1155CC"/>
                 </a:solidFill>
-                <a:latin typeface="함초롬돋움"/>
-                <a:ea typeface="함초롬돋움"/>
-                <a:cs typeface="함초롬돋움"/>
+                <a:latin typeface="함초롬돋움" panose="020B0604000101010101" pitchFamily="50" charset="-127"/>
+                <a:ea typeface="함초롬돋움" panose="020B0604000101010101" pitchFamily="50" charset="-127"/>
+                <a:cs typeface="함초롬돋움" panose="020B0604000101010101" pitchFamily="50" charset="-127"/>
               </a:rPr>
               <a:t>2. 구조적 차이 – 난이도·패턴 관점</a:t>
             </a:r>
@@ -18659,17 +18617,18 @@
                 <a:solidFill>
                   <a:srgbClr val="1155CC"/>
                 </a:solidFill>
-                <a:ea typeface="함초롬돋움"/>
-                <a:cs typeface="함초롬돋움"/>
+                <a:latin typeface="함초롬돋움" panose="020B0604000101010101" pitchFamily="50" charset="-127"/>
+                <a:ea typeface="함초롬돋움" panose="020B0604000101010101" pitchFamily="50" charset="-127"/>
+                <a:cs typeface="함초롬돋움" panose="020B0604000101010101" pitchFamily="50" charset="-127"/>
               </a:rPr>
             </a:br>
             <a:endParaRPr lang="ko" sz="1700" b="1">
               <a:solidFill>
                 <a:srgbClr val="1155CC"/>
               </a:solidFill>
-              <a:latin typeface="함초롬돋움"/>
-              <a:ea typeface="함초롬돋움"/>
-              <a:cs typeface="함초롬돋움"/>
+              <a:latin typeface="함초롬돋움" panose="020B0604000101010101" pitchFamily="50" charset="-127"/>
+              <a:ea typeface="함초롬돋움" panose="020B0604000101010101" pitchFamily="50" charset="-127"/>
+              <a:cs typeface="함초롬돋움" panose="020B0604000101010101" pitchFamily="50" charset="-127"/>
             </a:endParaRPr>
           </a:p>
           <a:p>
@@ -18690,18 +18649,18 @@
             </a:pPr>
             <a:r>
               <a:rPr lang="ko" sz="1400" b="1">
-                <a:latin typeface="함초롬돋움"/>
-                <a:ea typeface="함초롬돋움"/>
-                <a:cs typeface="함초롬돋움"/>
+                <a:latin typeface="함초롬돋움" panose="020B0604000101010101" pitchFamily="50" charset="-127"/>
+                <a:ea typeface="함초롬돋움" panose="020B0604000101010101" pitchFamily="50" charset="-127"/>
+                <a:cs typeface="함초롬돋움" panose="020B0604000101010101" pitchFamily="50" charset="-127"/>
                 <a:sym typeface="Arial"/>
               </a:rPr>
               <a:t>난이도별 사망 비율 </a:t>
             </a:r>
             <a:r>
               <a:rPr lang="ko" sz="1200">
-                <a:latin typeface="함초롬돋움"/>
-                <a:ea typeface="함초롬돋움"/>
-                <a:cs typeface="함초롬돋움"/>
+                <a:latin typeface="함초롬돋움" panose="020B0604000101010101" pitchFamily="50" charset="-127"/>
+                <a:ea typeface="함초롬돋움" panose="020B0604000101010101" pitchFamily="50" charset="-127"/>
+                <a:cs typeface="함초롬돋움" panose="020B0604000101010101" pitchFamily="50" charset="-127"/>
                 <a:sym typeface="Arial"/>
               </a:rPr>
               <a:t>(3 seeds 합산)</a:t>
@@ -18725,36 +18684,36 @@
             </a:pPr>
             <a:r>
               <a:rPr lang="ko" sz="1100">
-                <a:latin typeface="함초롬돋움"/>
-                <a:ea typeface="함초롬돋움"/>
-                <a:cs typeface="함초롬돋움"/>
+                <a:latin typeface="함초롬돋움" panose="020B0604000101010101" pitchFamily="50" charset="-127"/>
+                <a:ea typeface="함초롬돋움" panose="020B0604000101010101" pitchFamily="50" charset="-127"/>
+                <a:cs typeface="함초롬돋움" panose="020B0604000101010101" pitchFamily="50" charset="-127"/>
                 <a:sym typeface="Arial"/>
               </a:rPr>
               <a:t>DQN: hard ≈ </a:t>
             </a:r>
             <a:r>
               <a:rPr lang="ko" sz="1100" b="1">
-                <a:latin typeface="함초롬돋움"/>
-                <a:ea typeface="함초롬돋움"/>
-                <a:cs typeface="함초롬돋움"/>
+                <a:latin typeface="함초롬돋움" panose="020B0604000101010101" pitchFamily="50" charset="-127"/>
+                <a:ea typeface="함초롬돋움" panose="020B0604000101010101" pitchFamily="50" charset="-127"/>
+                <a:cs typeface="함초롬돋움" panose="020B0604000101010101" pitchFamily="50" charset="-127"/>
                 <a:sym typeface="Arial"/>
               </a:rPr>
               <a:t>44%</a:t>
             </a:r>
             <a:r>
               <a:rPr lang="ko" sz="1100">
-                <a:latin typeface="함초롬돋움"/>
-                <a:ea typeface="함초롬돋움"/>
-                <a:cs typeface="함초롬돋움"/>
+                <a:latin typeface="함초롬돋움" panose="020B0604000101010101" pitchFamily="50" charset="-127"/>
+                <a:ea typeface="함초롬돋움" panose="020B0604000101010101" pitchFamily="50" charset="-127"/>
+                <a:cs typeface="함초롬돋움" panose="020B0604000101010101" pitchFamily="50" charset="-127"/>
                 <a:sym typeface="Arial"/>
               </a:rPr>
               <a:t>, easy+medium ≈ </a:t>
             </a:r>
             <a:r>
               <a:rPr lang="ko" sz="1100" b="1">
-                <a:latin typeface="함초롬돋움"/>
-                <a:ea typeface="함초롬돋움"/>
-                <a:cs typeface="함초롬돋움"/>
+                <a:latin typeface="함초롬돋움" panose="020B0604000101010101" pitchFamily="50" charset="-127"/>
+                <a:ea typeface="함초롬돋움" panose="020B0604000101010101" pitchFamily="50" charset="-127"/>
+                <a:cs typeface="함초롬돋움" panose="020B0604000101010101" pitchFamily="50" charset="-127"/>
                 <a:sym typeface="Arial"/>
               </a:rPr>
               <a:t>56%</a:t>
@@ -18778,36 +18737,36 @@
             </a:pPr>
             <a:r>
               <a:rPr lang="ko" sz="1100">
-                <a:latin typeface="함초롬돋움"/>
-                <a:ea typeface="함초롬돋움"/>
-                <a:cs typeface="함초롬돋움"/>
+                <a:latin typeface="함초롬돋움" panose="020B0604000101010101" pitchFamily="50" charset="-127"/>
+                <a:ea typeface="함초롬돋움" panose="020B0604000101010101" pitchFamily="50" charset="-127"/>
+                <a:cs typeface="함초롬돋움" panose="020B0604000101010101" pitchFamily="50" charset="-127"/>
                 <a:sym typeface="Arial"/>
               </a:rPr>
               <a:t>PPO: hard ≈ </a:t>
             </a:r>
             <a:r>
               <a:rPr lang="ko" sz="1100" b="1">
-                <a:latin typeface="함초롬돋움"/>
-                <a:ea typeface="함초롬돋움"/>
-                <a:cs typeface="함초롬돋움"/>
+                <a:latin typeface="함초롬돋움" panose="020B0604000101010101" pitchFamily="50" charset="-127"/>
+                <a:ea typeface="함초롬돋움" panose="020B0604000101010101" pitchFamily="50" charset="-127"/>
+                <a:cs typeface="함초롬돋움" panose="020B0604000101010101" pitchFamily="50" charset="-127"/>
                 <a:sym typeface="Arial"/>
               </a:rPr>
               <a:t>68%</a:t>
             </a:r>
             <a:r>
               <a:rPr lang="ko" sz="1100">
-                <a:latin typeface="함초롬돋움"/>
-                <a:ea typeface="함초롬돋움"/>
-                <a:cs typeface="함초롬돋움"/>
+                <a:latin typeface="함초롬돋움" panose="020B0604000101010101" pitchFamily="50" charset="-127"/>
+                <a:ea typeface="함초롬돋움" panose="020B0604000101010101" pitchFamily="50" charset="-127"/>
+                <a:cs typeface="함초롬돋움" panose="020B0604000101010101" pitchFamily="50" charset="-127"/>
                 <a:sym typeface="Arial"/>
               </a:rPr>
               <a:t>, easy+medium ≈ </a:t>
             </a:r>
             <a:r>
               <a:rPr lang="ko" sz="1100" b="1">
-                <a:latin typeface="함초롬돋움"/>
-                <a:ea typeface="함초롬돋움"/>
-                <a:cs typeface="함초롬돋움"/>
+                <a:latin typeface="함초롬돋움" panose="020B0604000101010101" pitchFamily="50" charset="-127"/>
+                <a:ea typeface="함초롬돋움" panose="020B0604000101010101" pitchFamily="50" charset="-127"/>
+                <a:cs typeface="함초롬돋움" panose="020B0604000101010101" pitchFamily="50" charset="-127"/>
                 <a:sym typeface="Arial"/>
               </a:rPr>
               <a:t>32%</a:t>
@@ -18829,25 +18788,26 @@
             </a:pPr>
             <a:r>
               <a:rPr lang="ko" sz="1100">
-                <a:latin typeface="함초롬돋움"/>
-                <a:ea typeface="함초롬돋움"/>
-                <a:cs typeface="함초롬돋움"/>
+                <a:latin typeface="함초롬돋움" panose="020B0604000101010101" pitchFamily="50" charset="-127"/>
+                <a:ea typeface="함초롬돋움" panose="020B0604000101010101" pitchFamily="50" charset="-127"/>
+                <a:cs typeface="함초롬돋움" panose="020B0604000101010101" pitchFamily="50" charset="-127"/>
                 <a:sym typeface="Arial"/>
               </a:rPr>
               <a:t>→ PPO는 사망의 약 3분의 2가 hard에서 발생, </a:t>
             </a:r>
             <a:br>
               <a:rPr lang="ko" sz="1100">
-                <a:ea typeface="함초롬돋움"/>
-                <a:cs typeface="함초롬돋움"/>
+                <a:latin typeface="함초롬돋움" panose="020B0604000101010101" pitchFamily="50" charset="-127"/>
+                <a:ea typeface="함초롬돋움" panose="020B0604000101010101" pitchFamily="50" charset="-127"/>
+                <a:cs typeface="함초롬돋움" panose="020B0604000101010101" pitchFamily="50" charset="-127"/>
                 <a:sym typeface="Arial"/>
               </a:rPr>
             </a:br>
             <a:r>
               <a:rPr lang="ko" sz="1100">
-                <a:latin typeface="함초롬돋움"/>
-                <a:ea typeface="함초롬돋움"/>
-                <a:cs typeface="함초롬돋움"/>
+                <a:latin typeface="함초롬돋움" panose="020B0604000101010101" pitchFamily="50" charset="-127"/>
+                <a:ea typeface="함초롬돋움" panose="020B0604000101010101" pitchFamily="50" charset="-127"/>
+                <a:cs typeface="함초롬돋움" panose="020B0604000101010101" pitchFamily="50" charset="-127"/>
                 <a:sym typeface="Arial"/>
               </a:rPr>
               <a:t>    DQN은 여전히 easy/medium 구간에서의 실패 비중이 크다</a:t>
@@ -18871,9 +18831,9 @@
             </a:pPr>
             <a:r>
               <a:rPr lang="ko" sz="1400" b="1">
-                <a:latin typeface="함초롬돋움"/>
-                <a:ea typeface="함초롬돋움"/>
-                <a:cs typeface="함초롬돋움"/>
+                <a:latin typeface="함초롬돋움" panose="020B0604000101010101" pitchFamily="50" charset="-127"/>
+                <a:ea typeface="함초롬돋움" panose="020B0604000101010101" pitchFamily="50" charset="-127"/>
+                <a:cs typeface="함초롬돋움" panose="020B0604000101010101" pitchFamily="50" charset="-127"/>
                 <a:sym typeface="Arial"/>
               </a:rPr>
               <a:t>상위사망패턴</a:t>
@@ -18897,25 +18857,26 @@
             </a:pPr>
             <a:r>
               <a:rPr lang="ko" sz="1100">
-                <a:latin typeface="함초롬돋움"/>
-                <a:ea typeface="함초롬돋움"/>
-                <a:cs typeface="함초롬돋움"/>
+                <a:latin typeface="함초롬돋움" panose="020B0604000101010101" pitchFamily="50" charset="-127"/>
+                <a:ea typeface="함초롬돋움" panose="020B0604000101010101" pitchFamily="50" charset="-127"/>
+                <a:cs typeface="함초롬돋움" panose="020B0604000101010101" pitchFamily="50" charset="-127"/>
                 <a:sym typeface="Arial"/>
               </a:rPr>
               <a:t>DQN_new: hard_complex_8 + easy_center_C 등, </a:t>
             </a:r>
             <a:br>
               <a:rPr lang="ko" sz="1100">
-                <a:ea typeface="함초롬돋움"/>
-                <a:cs typeface="함초롬돋움"/>
+                <a:latin typeface="함초롬돋움" panose="020B0604000101010101" pitchFamily="50" charset="-127"/>
+                <a:ea typeface="함초롬돋움" panose="020B0604000101010101" pitchFamily="50" charset="-127"/>
+                <a:cs typeface="함초롬돋움" panose="020B0604000101010101" pitchFamily="50" charset="-127"/>
                 <a:sym typeface="Arial"/>
               </a:rPr>
             </a:br>
             <a:r>
               <a:rPr lang="ko" sz="1100">
-                <a:latin typeface="함초롬돋움"/>
-                <a:ea typeface="함초롬돋움"/>
-                <a:cs typeface="함초롬돋움"/>
+                <a:latin typeface="함초롬돋움" panose="020B0604000101010101" pitchFamily="50" charset="-127"/>
+                <a:ea typeface="함초롬돋움" panose="020B0604000101010101" pitchFamily="50" charset="-127"/>
+                <a:cs typeface="함초롬돋움" panose="020B0604000101010101" pitchFamily="50" charset="-127"/>
                 <a:sym typeface="Arial"/>
               </a:rPr>
               <a:t>                   hard와 easy가 섞여 있음</a:t>
@@ -18939,25 +18900,26 @@
             </a:pPr>
             <a:r>
               <a:rPr lang="ko" sz="1100">
-                <a:latin typeface="함초롬돋움"/>
-                <a:ea typeface="함초롬돋움"/>
-                <a:cs typeface="함초롬돋움"/>
+                <a:latin typeface="함초롬돋움" panose="020B0604000101010101" pitchFamily="50" charset="-127"/>
+                <a:ea typeface="함초롬돋움" panose="020B0604000101010101" pitchFamily="50" charset="-127"/>
+                <a:cs typeface="함초롬돋움" panose="020B0604000101010101" pitchFamily="50" charset="-127"/>
                 <a:sym typeface="Arial"/>
               </a:rPr>
               <a:t>PPO: 상위 5개 패턴이 모두 hard_complex 계열</a:t>
             </a:r>
             <a:br>
               <a:rPr lang="ko" sz="1100">
-                <a:ea typeface="함초롬돋움"/>
-                <a:cs typeface="함초롬돋움"/>
+                <a:latin typeface="함초롬돋움" panose="020B0604000101010101" pitchFamily="50" charset="-127"/>
+                <a:ea typeface="함초롬돋움" panose="020B0604000101010101" pitchFamily="50" charset="-127"/>
+                <a:cs typeface="함초롬돋움" panose="020B0604000101010101" pitchFamily="50" charset="-127"/>
                 <a:sym typeface="Arial"/>
               </a:rPr>
             </a:br>
             <a:r>
               <a:rPr lang="ko" sz="1100">
-                <a:latin typeface="함초롬돋움"/>
-                <a:ea typeface="함초롬돋움"/>
-                <a:cs typeface="함초롬돋움"/>
+                <a:latin typeface="함초롬돋움" panose="020B0604000101010101" pitchFamily="50" charset="-127"/>
+                <a:ea typeface="함초롬돋움" panose="020B0604000101010101" pitchFamily="50" charset="-127"/>
+                <a:cs typeface="함초롬돋움" panose="020B0604000101010101" pitchFamily="50" charset="-127"/>
                 <a:sym typeface="Arial"/>
               </a:rPr>
               <a:t>         → PPO는 </a:t>
@@ -18967,49 +18929,51 @@
                 <a:solidFill>
                   <a:srgbClr val="CC0000"/>
                 </a:solidFill>
-                <a:latin typeface="함초롬돋움"/>
-                <a:ea typeface="함초롬돋움"/>
-                <a:cs typeface="함초롬돋움"/>
+                <a:latin typeface="함초롬돋움" panose="020B0604000101010101" pitchFamily="50" charset="-127"/>
+                <a:ea typeface="함초롬돋움" panose="020B0604000101010101" pitchFamily="50" charset="-127"/>
+                <a:cs typeface="함초롬돋움" panose="020B0604000101010101" pitchFamily="50" charset="-127"/>
                 <a:sym typeface="Arial"/>
               </a:rPr>
               <a:t>“진짜 어려운 패턴에서만” </a:t>
             </a:r>
             <a:r>
               <a:rPr lang="ko" sz="1100">
-                <a:latin typeface="함초롬돋움"/>
-                <a:ea typeface="함초롬돋움"/>
-                <a:cs typeface="함초롬돋움"/>
+                <a:latin typeface="함초롬돋움" panose="020B0604000101010101" pitchFamily="50" charset="-127"/>
+                <a:ea typeface="함초롬돋움" panose="020B0604000101010101" pitchFamily="50" charset="-127"/>
+                <a:cs typeface="함초롬돋움" panose="020B0604000101010101" pitchFamily="50" charset="-127"/>
                 <a:sym typeface="Arial"/>
               </a:rPr>
               <a:t>반복적으로 </a:t>
             </a:r>
             <a:br>
               <a:rPr lang="ko" sz="1100">
-                <a:ea typeface="함초롬돋움"/>
-                <a:cs typeface="함초롬돋움"/>
+                <a:latin typeface="함초롬돋움" panose="020B0604000101010101" pitchFamily="50" charset="-127"/>
+                <a:ea typeface="함초롬돋움" panose="020B0604000101010101" pitchFamily="50" charset="-127"/>
+                <a:cs typeface="함초롬돋움" panose="020B0604000101010101" pitchFamily="50" charset="-127"/>
                 <a:sym typeface="Arial"/>
               </a:rPr>
             </a:br>
             <a:r>
               <a:rPr lang="ko" sz="1100">
-                <a:latin typeface="함초롬돋움"/>
-                <a:ea typeface="함초롬돋움"/>
-                <a:cs typeface="함초롬돋움"/>
+                <a:latin typeface="함초롬돋움" panose="020B0604000101010101" pitchFamily="50" charset="-127"/>
+                <a:ea typeface="함초롬돋움" panose="020B0604000101010101" pitchFamily="50" charset="-127"/>
+                <a:cs typeface="함초롬돋움" panose="020B0604000101010101" pitchFamily="50" charset="-127"/>
                 <a:sym typeface="Arial"/>
               </a:rPr>
               <a:t>              실패하는 수준까지 도달</a:t>
             </a:r>
             <a:br>
               <a:rPr lang="ko" sz="1100">
-                <a:ea typeface="함초롬돋움"/>
-                <a:cs typeface="함초롬돋움"/>
+                <a:latin typeface="함초롬돋움" panose="020B0604000101010101" pitchFamily="50" charset="-127"/>
+                <a:ea typeface="함초롬돋움" panose="020B0604000101010101" pitchFamily="50" charset="-127"/>
+                <a:cs typeface="함초롬돋움" panose="020B0604000101010101" pitchFamily="50" charset="-127"/>
                 <a:sym typeface="Arial"/>
               </a:rPr>
             </a:br>
             <a:endParaRPr lang="ko" sz="1100">
-              <a:latin typeface="함초롬돋움"/>
-              <a:ea typeface="함초롬돋움"/>
-              <a:cs typeface="함초롬돋움"/>
+              <a:latin typeface="함초롬돋움" panose="020B0604000101010101" pitchFamily="50" charset="-127"/>
+              <a:ea typeface="함초롬돋움" panose="020B0604000101010101" pitchFamily="50" charset="-127"/>
+              <a:cs typeface="함초롬돋움" panose="020B0604000101010101" pitchFamily="50" charset="-127"/>
               <a:sym typeface="Arial"/>
             </a:endParaRPr>
           </a:p>
@@ -19031,92 +18995,95 @@
             </a:pPr>
             <a:r>
               <a:rPr lang="ko" sz="1100">
-                <a:latin typeface="함초롬돋움"/>
-                <a:ea typeface="함초롬돋움"/>
-                <a:cs typeface="함초롬돋움"/>
+                <a:latin typeface="함초롬돋움" panose="020B0604000101010101" pitchFamily="50" charset="-127"/>
+                <a:ea typeface="함초롬돋움" panose="020B0604000101010101" pitchFamily="50" charset="-127"/>
+                <a:cs typeface="함초롬돋움" panose="020B0604000101010101" pitchFamily="50" charset="-127"/>
                 <a:sym typeface="Arial"/>
               </a:rPr>
               <a:t>최종 모델 기준으로 봐도, </a:t>
             </a:r>
             <a:r>
               <a:rPr lang="ko" sz="1100" b="1">
-                <a:latin typeface="함초롬돋움"/>
-                <a:ea typeface="함초롬돋움"/>
-                <a:cs typeface="함초롬돋움"/>
+                <a:latin typeface="함초롬돋움" panose="020B0604000101010101" pitchFamily="50" charset="-127"/>
+                <a:ea typeface="함초롬돋움" panose="020B0604000101010101" pitchFamily="50" charset="-127"/>
+                <a:cs typeface="함초롬돋움" panose="020B0604000101010101" pitchFamily="50" charset="-127"/>
                 <a:sym typeface="Arial"/>
               </a:rPr>
               <a:t>PPO</a:t>
             </a:r>
             <a:r>
               <a:rPr lang="ko" sz="1100">
-                <a:latin typeface="함초롬돋움"/>
-                <a:ea typeface="함초롬돋움"/>
-                <a:cs typeface="함초롬돋움"/>
+                <a:latin typeface="함초롬돋움" panose="020B0604000101010101" pitchFamily="50" charset="-127"/>
+                <a:ea typeface="함초롬돋움" panose="020B0604000101010101" pitchFamily="50" charset="-127"/>
+                <a:cs typeface="함초롬돋움" panose="020B0604000101010101" pitchFamily="50" charset="-127"/>
                 <a:sym typeface="Arial"/>
               </a:rPr>
               <a:t>는 easy/medium은 거의 해결하고 </a:t>
             </a:r>
             <a:br>
               <a:rPr lang="ko" sz="1100">
-                <a:ea typeface="함초롬돋움"/>
-                <a:cs typeface="함초롬돋움"/>
+                <a:latin typeface="함초롬돋움" panose="020B0604000101010101" pitchFamily="50" charset="-127"/>
+                <a:ea typeface="함초롬돋움" panose="020B0604000101010101" pitchFamily="50" charset="-127"/>
+                <a:cs typeface="함초롬돋움" panose="020B0604000101010101" pitchFamily="50" charset="-127"/>
                 <a:sym typeface="Arial"/>
               </a:rPr>
             </a:br>
             <a:r>
               <a:rPr lang="ko" sz="1100">
-                <a:latin typeface="함초롬돋움"/>
-                <a:ea typeface="함초롬돋움"/>
-                <a:cs typeface="함초롬돋움"/>
+                <a:latin typeface="함초롬돋움" panose="020B0604000101010101" pitchFamily="50" charset="-127"/>
+                <a:ea typeface="함초롬돋움" panose="020B0604000101010101" pitchFamily="50" charset="-127"/>
+                <a:cs typeface="함초롬돋움" panose="020B0604000101010101" pitchFamily="50" charset="-127"/>
                 <a:sym typeface="Arial"/>
               </a:rPr>
               <a:t>hard_complex에서만 고전하는 반면, </a:t>
             </a:r>
             <a:br>
               <a:rPr lang="ko" sz="1100">
-                <a:ea typeface="함초롬돋움"/>
-                <a:cs typeface="함초롬돋움"/>
+                <a:latin typeface="함초롬돋움" panose="020B0604000101010101" pitchFamily="50" charset="-127"/>
+                <a:ea typeface="함초롬돋움" panose="020B0604000101010101" pitchFamily="50" charset="-127"/>
+                <a:cs typeface="함초롬돋움" panose="020B0604000101010101" pitchFamily="50" charset="-127"/>
                 <a:sym typeface="Arial"/>
               </a:rPr>
             </a:br>
             <a:r>
               <a:rPr lang="ko" sz="1100" b="1">
-                <a:latin typeface="함초롬돋움"/>
-                <a:ea typeface="함초롬돋움"/>
-                <a:cs typeface="함초롬돋움"/>
+                <a:latin typeface="함초롬돋움" panose="020B0604000101010101" pitchFamily="50" charset="-127"/>
+                <a:ea typeface="함초롬돋움" panose="020B0604000101010101" pitchFamily="50" charset="-127"/>
+                <a:cs typeface="함초롬돋움" panose="020B0604000101010101" pitchFamily="50" charset="-127"/>
                 <a:sym typeface="Arial"/>
               </a:rPr>
               <a:t>DQN</a:t>
             </a:r>
             <a:r>
               <a:rPr lang="ko" sz="1100">
-                <a:latin typeface="함초롬돋움"/>
-                <a:ea typeface="함초롬돋움"/>
-                <a:cs typeface="함초롬돋움"/>
+                <a:latin typeface="함초롬돋움" panose="020B0604000101010101" pitchFamily="50" charset="-127"/>
+                <a:ea typeface="함초롬돋움" panose="020B0604000101010101" pitchFamily="50" charset="-127"/>
+                <a:cs typeface="함초롬돋움" panose="020B0604000101010101" pitchFamily="50" charset="-127"/>
                 <a:sym typeface="Arial"/>
               </a:rPr>
               <a:t>은 난이도 전 구간에 걸쳐 실패가 분산되어 있어 </a:t>
             </a:r>
             <a:br>
               <a:rPr lang="ko" sz="1100">
-                <a:ea typeface="함초롬돋움"/>
-                <a:cs typeface="함초롬돋움"/>
+                <a:latin typeface="함초롬돋움" panose="020B0604000101010101" pitchFamily="50" charset="-127"/>
+                <a:ea typeface="함초롬돋움" panose="020B0604000101010101" pitchFamily="50" charset="-127"/>
+                <a:cs typeface="함초롬돋움" panose="020B0604000101010101" pitchFamily="50" charset="-127"/>
                 <a:sym typeface="Arial"/>
               </a:rPr>
             </a:br>
             <a:r>
               <a:rPr lang="ko" sz="1100">
-                <a:latin typeface="함초롬돋움"/>
-                <a:ea typeface="함초롬돋움"/>
-                <a:cs typeface="함초롬돋움"/>
+                <a:latin typeface="함초롬돋움" panose="020B0604000101010101" pitchFamily="50" charset="-127"/>
+                <a:ea typeface="함초롬돋움" panose="020B0604000101010101" pitchFamily="50" charset="-127"/>
+                <a:cs typeface="함초롬돋움" panose="020B0604000101010101" pitchFamily="50" charset="-127"/>
                 <a:sym typeface="Arial"/>
               </a:rPr>
               <a:t>환경 전체에 대한 일반화 수준에서 차이가 난다</a:t>
             </a:r>
             <a:endParaRPr sz="1400" b="1">
-              <a:latin typeface="함초롬돋움"/>
-              <a:ea typeface="함초롬돋움"/>
-              <a:cs typeface="함초롬돋움"/>
+              <a:latin typeface="함초롬돋움" panose="020B0604000101010101" pitchFamily="50" charset="-127"/>
+              <a:ea typeface="함초롬돋움" panose="020B0604000101010101" pitchFamily="50" charset="-127"/>
+              <a:cs typeface="함초롬돋움" panose="020B0604000101010101" pitchFamily="50" charset="-127"/>
               <a:sym typeface="Arial"/>
             </a:endParaRPr>
           </a:p>
@@ -19247,21 +19214,23 @@
               <a:defRPr/>
             </a:pPr>
             <a:r>
-              <a:rPr lang="ko" sz="2100">
+              <a:rPr lang="ko" sz="2100" dirty="0">
                 <a:solidFill>
                   <a:srgbClr val="1C4587"/>
                 </a:solidFill>
-                <a:latin typeface="한컴 윤고딕 760"/>
-                <a:ea typeface="한컴 윤고딕 760"/>
+                <a:latin typeface="함초롬돋움" panose="020B0604000101010101" pitchFamily="50" charset="-127"/>
+                <a:ea typeface="함초롬돋움" panose="020B0604000101010101" pitchFamily="50" charset="-127"/>
+                <a:cs typeface="함초롬돋움" panose="020B0604000101010101" pitchFamily="50" charset="-127"/>
               </a:rPr>
               <a:t>최종 실험 결과(Cont.)</a:t>
             </a:r>
-            <a:endParaRPr sz="2100" b="0">
+            <a:endParaRPr sz="2100" b="0" dirty="0">
               <a:solidFill>
                 <a:srgbClr val="1C4587"/>
               </a:solidFill>
-              <a:latin typeface="한컴 윤고딕 760"/>
-              <a:ea typeface="한컴 윤고딕 760"/>
+              <a:latin typeface="함초롬돋움" panose="020B0604000101010101" pitchFamily="50" charset="-127"/>
+              <a:ea typeface="함초롬돋움" panose="020B0604000101010101" pitchFamily="50" charset="-127"/>
+              <a:cs typeface="함초롬돋움" panose="020B0604000101010101" pitchFamily="50" charset="-127"/>
             </a:endParaRPr>
           </a:p>
         </p:txBody>
@@ -19313,16 +19282,16 @@
                 <a:solidFill>
                   <a:srgbClr val="1155CC"/>
                 </a:solidFill>
-                <a:latin typeface="한컴 윤고딕 740"/>
-                <a:ea typeface="한컴 윤고딕 740"/>
-                <a:cs typeface="함초롬돋움"/>
+                <a:latin typeface="함초롬돋움" panose="020B0604000101010101" pitchFamily="50" charset="-127"/>
+                <a:ea typeface="함초롬돋움" panose="020B0604000101010101" pitchFamily="50" charset="-127"/>
+                <a:cs typeface="함초롬돋움" panose="020B0604000101010101" pitchFamily="50" charset="-127"/>
               </a:rPr>
               <a:t>시연 영상</a:t>
             </a:r>
             <a:endParaRPr b="1">
-              <a:latin typeface="한컴 윤고딕 740"/>
-              <a:ea typeface="한컴 윤고딕 740"/>
-              <a:cs typeface="함초롬돋움"/>
+              <a:latin typeface="함초롬돋움" panose="020B0604000101010101" pitchFamily="50" charset="-127"/>
+              <a:ea typeface="함초롬돋움" panose="020B0604000101010101" pitchFamily="50" charset="-127"/>
+              <a:cs typeface="함초롬돋움" panose="020B0604000101010101" pitchFamily="50" charset="-127"/>
               <a:sym typeface="Arial"/>
             </a:endParaRPr>
           </a:p>
@@ -19430,34 +19399,36 @@
             </a:pPr>
             <a:r>
               <a:rPr lang="ko" sz="1700" b="1" dirty="0">
-                <a:latin typeface="함초롬돋움"/>
-                <a:ea typeface="함초롬돋움"/>
-                <a:cs typeface="함초롬돋움"/>
+                <a:latin typeface="함초롬돋움" panose="020B0604000101010101" pitchFamily="50" charset="-127"/>
+                <a:ea typeface="함초롬돋움" panose="020B0604000101010101" pitchFamily="50" charset="-127"/>
+                <a:cs typeface="함초롬돋움" panose="020B0604000101010101" pitchFamily="50" charset="-127"/>
                 <a:sym typeface="Arial"/>
               </a:rPr>
               <a:t>2</a:t>
             </a:r>
             <a:r>
               <a:rPr lang="en-US" altLang="ko-KR" sz="1700" b="1" dirty="0">
-                <a:ea typeface="함초롬돋움"/>
-                <a:cs typeface="함초롬돋움"/>
+                <a:latin typeface="함초롬돋움" panose="020B0604000101010101" pitchFamily="50" charset="-127"/>
+                <a:ea typeface="함초롬돋움" panose="020B0604000101010101" pitchFamily="50" charset="-127"/>
+                <a:cs typeface="함초롬돋움" panose="020B0604000101010101" pitchFamily="50" charset="-127"/>
                 <a:sym typeface="Arial"/>
               </a:rPr>
               <a:t>.</a:t>
             </a:r>
             <a:r>
               <a:rPr lang="ko-KR" altLang="en-US" sz="1700" b="1" dirty="0">
-                <a:ea typeface="함초롬돋움"/>
-                <a:cs typeface="함초롬돋움"/>
+                <a:latin typeface="함초롬돋움" panose="020B0604000101010101" pitchFamily="50" charset="-127"/>
+                <a:ea typeface="함초롬돋움" panose="020B0604000101010101" pitchFamily="50" charset="-127"/>
+                <a:cs typeface="함초롬돋움" panose="020B0604000101010101" pitchFamily="50" charset="-127"/>
                 <a:sym typeface="Arial"/>
               </a:rPr>
               <a:t>    </a:t>
             </a:r>
             <a:r>
               <a:rPr lang="ko" sz="1500" b="1" dirty="0">
-                <a:latin typeface="함초롬돋움"/>
-                <a:ea typeface="함초롬돋움"/>
-                <a:cs typeface="함초롬돋움"/>
+                <a:latin typeface="함초롬돋움" panose="020B0604000101010101" pitchFamily="50" charset="-127"/>
+                <a:ea typeface="함초롬돋움" panose="020B0604000101010101" pitchFamily="50" charset="-127"/>
+                <a:cs typeface="함초롬돋움" panose="020B0604000101010101" pitchFamily="50" charset="-127"/>
                 <a:sym typeface="Arial"/>
               </a:rPr>
               <a:t>DQN 열세 원인 분석</a:t>
@@ -19481,9 +19452,9 @@
             </a:pPr>
             <a:r>
               <a:rPr lang="ko" sz="1300" b="1" dirty="0">
-                <a:latin typeface="함초롬돋움"/>
-                <a:ea typeface="함초롬돋움"/>
-                <a:cs typeface="함초롬돋움"/>
+                <a:latin typeface="함초롬돋움" panose="020B0604000101010101" pitchFamily="50" charset="-127"/>
+                <a:ea typeface="함초롬돋움" panose="020B0604000101010101" pitchFamily="50" charset="-127"/>
+                <a:cs typeface="함초롬돋움" panose="020B0604000101010101" pitchFamily="50" charset="-127"/>
                 <a:sym typeface="Arial"/>
               </a:rPr>
               <a:t>가설 1 : hard 경험 희소성 + 버퍼 희석</a:t>
@@ -19507,25 +19478,26 @@
             </a:pPr>
             <a:r>
               <a:rPr lang="ko" sz="1100" dirty="0">
-                <a:latin typeface="함초롬돋움"/>
-                <a:ea typeface="함초롬돋움"/>
-                <a:cs typeface="함초롬돋움"/>
+                <a:latin typeface="함초롬돋움" panose="020B0604000101010101" pitchFamily="50" charset="-127"/>
+                <a:ea typeface="함초롬돋움" panose="020B0604000101010101" pitchFamily="50" charset="-127"/>
+                <a:cs typeface="함초롬돋움" panose="020B0604000101010101" pitchFamily="50" charset="-127"/>
                 <a:sym typeface="Arial"/>
               </a:rPr>
               <a:t>hard 패턴은 에피소드 후반에 드물게 등장하는데, </a:t>
             </a:r>
             <a:br>
               <a:rPr lang="ko" sz="1100" dirty="0">
-                <a:ea typeface="함초롬돋움"/>
-                <a:cs typeface="함초롬돋움"/>
+                <a:latin typeface="함초롬돋움" panose="020B0604000101010101" pitchFamily="50" charset="-127"/>
+                <a:ea typeface="함초롬돋움" panose="020B0604000101010101" pitchFamily="50" charset="-127"/>
+                <a:cs typeface="함초롬돋움" panose="020B0604000101010101" pitchFamily="50" charset="-127"/>
                 <a:sym typeface="Arial"/>
               </a:rPr>
             </a:br>
             <a:r>
               <a:rPr lang="ko" sz="1100" dirty="0">
-                <a:latin typeface="함초롬돋움"/>
-                <a:ea typeface="함초롬돋움"/>
-                <a:cs typeface="함초롬돋움"/>
+                <a:latin typeface="함초롬돋움" panose="020B0604000101010101" pitchFamily="50" charset="-127"/>
+                <a:ea typeface="함초롬돋움" panose="020B0604000101010101" pitchFamily="50" charset="-127"/>
+                <a:cs typeface="함초롬돋움" panose="020B0604000101010101" pitchFamily="50" charset="-127"/>
                 <a:sym typeface="Arial"/>
               </a:rPr>
               <a:t>큰 replay buffer와 큰 batch를 활용했었음</a:t>
@@ -19549,9 +19521,9 @@
             </a:pPr>
             <a:r>
               <a:rPr lang="ko" sz="1100" dirty="0">
-                <a:latin typeface="함초롬돋움"/>
-                <a:ea typeface="함초롬돋움"/>
-                <a:cs typeface="함초롬돋움"/>
+                <a:latin typeface="함초롬돋움" panose="020B0604000101010101" pitchFamily="50" charset="-127"/>
+                <a:ea typeface="함초롬돋움" panose="020B0604000101010101" pitchFamily="50" charset="-127"/>
+                <a:cs typeface="함초롬돋움" panose="020B0604000101010101" pitchFamily="50" charset="-127"/>
                 <a:sym typeface="Arial"/>
               </a:rPr>
               <a:t>희귀하지만 중요한 hard trajectory가 easy/medium 샘플에 희석되면서 hard 패턴 특화 학습이 부족</a:t>
@@ -19575,9 +19547,9 @@
             </a:pPr>
             <a:r>
               <a:rPr lang="ko" sz="1300" b="1" dirty="0">
-                <a:latin typeface="함초롬돋움"/>
-                <a:ea typeface="함초롬돋움"/>
-                <a:cs typeface="함초롬돋움"/>
+                <a:latin typeface="함초롬돋움" panose="020B0604000101010101" pitchFamily="50" charset="-127"/>
+                <a:ea typeface="함초롬돋움" panose="020B0604000101010101" pitchFamily="50" charset="-127"/>
+                <a:cs typeface="함초롬돋움" panose="020B0604000101010101" pitchFamily="50" charset="-127"/>
                 <a:sym typeface="Arial"/>
               </a:rPr>
               <a:t>가설 2 : ε-greedy 탐색 고갈</a:t>
@@ -19601,25 +19573,26 @@
             </a:pPr>
             <a:r>
               <a:rPr lang="ko" sz="1100" dirty="0">
-                <a:latin typeface="함초롬돋움"/>
-                <a:ea typeface="함초롬돋움"/>
-                <a:cs typeface="함초롬돋움"/>
+                <a:latin typeface="함초롬돋움" panose="020B0604000101010101" pitchFamily="50" charset="-127"/>
+                <a:ea typeface="함초롬돋움" panose="020B0604000101010101" pitchFamily="50" charset="-127"/>
+                <a:cs typeface="함초롬돋움" panose="020B0604000101010101" pitchFamily="50" charset="-127"/>
                 <a:sym typeface="Arial"/>
               </a:rPr>
               <a:t>256개 env를 병렬로 돌리면서 global step가 </a:t>
             </a:r>
             <a:br>
               <a:rPr lang="ko" sz="1100" dirty="0">
-                <a:ea typeface="함초롬돋움"/>
-                <a:cs typeface="함초롬돋움"/>
+                <a:latin typeface="함초롬돋움" panose="020B0604000101010101" pitchFamily="50" charset="-127"/>
+                <a:ea typeface="함초롬돋움" panose="020B0604000101010101" pitchFamily="50" charset="-127"/>
+                <a:cs typeface="함초롬돋움" panose="020B0604000101010101" pitchFamily="50" charset="-127"/>
                 <a:sym typeface="Arial"/>
               </a:rPr>
             </a:br>
             <a:r>
               <a:rPr lang="ko" sz="1100" dirty="0">
-                <a:latin typeface="함초롬돋움"/>
-                <a:ea typeface="함초롬돋움"/>
-                <a:cs typeface="함초롬돋움"/>
+                <a:latin typeface="함초롬돋움" panose="020B0604000101010101" pitchFamily="50" charset="-127"/>
+                <a:ea typeface="함초롬돋움" panose="020B0604000101010101" pitchFamily="50" charset="-127"/>
+                <a:cs typeface="함초롬돋움" panose="020B0604000101010101" pitchFamily="50" charset="-127"/>
                 <a:sym typeface="Arial"/>
               </a:rPr>
               <a:t>빠르게 증가하고, ε가 금방 0.01 근처로 떨어지는 구조</a:t>
@@ -19643,25 +19616,26 @@
             </a:pPr>
             <a:r>
               <a:rPr lang="ko" sz="1100" dirty="0">
-                <a:latin typeface="함초롬돋움"/>
-                <a:ea typeface="함초롬돋움"/>
-                <a:cs typeface="함초롬돋움"/>
+                <a:latin typeface="함초롬돋움" panose="020B0604000101010101" pitchFamily="50" charset="-127"/>
+                <a:ea typeface="함초롬돋움" panose="020B0604000101010101" pitchFamily="50" charset="-127"/>
+                <a:cs typeface="함초롬돋움" panose="020B0604000101010101" pitchFamily="50" charset="-127"/>
                 <a:sym typeface="Arial"/>
               </a:rPr>
               <a:t>그 결과, Hard 구간에서 새롭게 진입해 보는 </a:t>
             </a:r>
             <a:br>
               <a:rPr lang="ko" sz="1100" dirty="0">
-                <a:ea typeface="함초롬돋움"/>
-                <a:cs typeface="함초롬돋움"/>
+                <a:latin typeface="함초롬돋움" panose="020B0604000101010101" pitchFamily="50" charset="-127"/>
+                <a:ea typeface="함초롬돋움" panose="020B0604000101010101" pitchFamily="50" charset="-127"/>
+                <a:cs typeface="함초롬돋움" panose="020B0604000101010101" pitchFamily="50" charset="-127"/>
                 <a:sym typeface="Arial"/>
               </a:rPr>
             </a:br>
             <a:r>
               <a:rPr lang="ko" sz="1100" dirty="0">
-                <a:latin typeface="함초롬돋움"/>
-                <a:ea typeface="함초롬돋움"/>
-                <a:cs typeface="함초롬돋움"/>
+                <a:latin typeface="함초롬돋움" panose="020B0604000101010101" pitchFamily="50" charset="-127"/>
+                <a:ea typeface="함초롬돋움" panose="020B0604000101010101" pitchFamily="50" charset="-127"/>
+                <a:cs typeface="함초롬돋움" panose="020B0604000101010101" pitchFamily="50" charset="-127"/>
                 <a:sym typeface="Arial"/>
               </a:rPr>
               <a:t>탐색 자체가 사라졌을 가능성 존재</a:t>
@@ -19685,9 +19659,9 @@
             </a:pPr>
             <a:r>
               <a:rPr lang="ko" sz="1300" b="1" dirty="0">
-                <a:latin typeface="함초롬돋움"/>
-                <a:ea typeface="함초롬돋움"/>
-                <a:cs typeface="함초롬돋움"/>
+                <a:latin typeface="함초롬돋움" panose="020B0604000101010101" pitchFamily="50" charset="-127"/>
+                <a:ea typeface="함초롬돋움" panose="020B0604000101010101" pitchFamily="50" charset="-127"/>
+                <a:cs typeface="함초롬돋움" panose="020B0604000101010101" pitchFamily="50" charset="-127"/>
                 <a:sym typeface="Arial"/>
               </a:rPr>
               <a:t>가설 3 : Q-network 표현의 불안정성</a:t>
@@ -19711,44 +19685,44 @@
             </a:pPr>
             <a:r>
               <a:rPr lang="ko" sz="1100" dirty="0">
-                <a:latin typeface="함초롬돋움"/>
-                <a:ea typeface="함초롬돋움"/>
-                <a:cs typeface="함초롬돋움"/>
+                <a:latin typeface="함초롬돋움" panose="020B0604000101010101" pitchFamily="50" charset="-127"/>
+                <a:ea typeface="함초롬돋움" panose="020B0604000101010101" pitchFamily="50" charset="-127"/>
+                <a:cs typeface="함초롬돋움" panose="020B0604000101010101" pitchFamily="50" charset="-127"/>
                 <a:sym typeface="Arial"/>
               </a:rPr>
               <a:t>normalization 없이 Q(s,a)를 </a:t>
             </a:r>
             <a:br>
               <a:rPr lang="en-US" altLang="ko" sz="1100" dirty="0">
-                <a:latin typeface="함초롬돋움"/>
-                <a:ea typeface="함초롬돋움"/>
-                <a:cs typeface="함초롬돋움"/>
+                <a:latin typeface="함초롬돋움" panose="020B0604000101010101" pitchFamily="50" charset="-127"/>
+                <a:ea typeface="함초롬돋움" panose="020B0604000101010101" pitchFamily="50" charset="-127"/>
+                <a:cs typeface="함초롬돋움" panose="020B0604000101010101" pitchFamily="50" charset="-127"/>
                 <a:sym typeface="Arial"/>
               </a:rPr>
             </a:br>
             <a:r>
               <a:rPr lang="ko" sz="1100" dirty="0">
-                <a:latin typeface="함초롬돋움"/>
-                <a:ea typeface="함초롬돋움"/>
-                <a:cs typeface="함초롬돋움"/>
+                <a:latin typeface="함초롬돋움" panose="020B0604000101010101" pitchFamily="50" charset="-127"/>
+                <a:ea typeface="함초롬돋움" panose="020B0604000101010101" pitchFamily="50" charset="-127"/>
+                <a:cs typeface="함초롬돋움" panose="020B0604000101010101" pitchFamily="50" charset="-127"/>
                 <a:sym typeface="Arial"/>
               </a:rPr>
               <a:t>직접 회귀하는 MLP </a:t>
             </a:r>
             <a:r>
               <a:rPr lang="ko-KR" altLang="en-US" sz="1100" dirty="0">
-                <a:latin typeface="함초롬돋움"/>
-                <a:ea typeface="함초롬돋움"/>
-                <a:cs typeface="함초롬돋움"/>
+                <a:latin typeface="함초롬돋움" panose="020B0604000101010101" pitchFamily="50" charset="-127"/>
+                <a:ea typeface="함초롬돋움" panose="020B0604000101010101" pitchFamily="50" charset="-127"/>
+                <a:cs typeface="함초롬돋움" panose="020B0604000101010101" pitchFamily="50" charset="-127"/>
                 <a:sym typeface="Arial"/>
               </a:rPr>
               <a:t>   </a:t>
             </a:r>
             <a:r>
               <a:rPr lang="ko" sz="1100" dirty="0">
-                <a:latin typeface="함초롬돋움"/>
-                <a:ea typeface="함초롬돋움"/>
-                <a:cs typeface="함초롬돋움"/>
+                <a:latin typeface="함초롬돋움" panose="020B0604000101010101" pitchFamily="50" charset="-127"/>
+                <a:ea typeface="함초롬돋움" panose="020B0604000101010101" pitchFamily="50" charset="-127"/>
+                <a:cs typeface="함초롬돋움" panose="020B0604000101010101" pitchFamily="50" charset="-127"/>
                 <a:sym typeface="Arial"/>
               </a:rPr>
               <a:t>구조</a:t>
@@ -19772,33 +19746,34 @@
             </a:pPr>
             <a:r>
               <a:rPr lang="ko" sz="1100" dirty="0">
-                <a:latin typeface="함초롬돋움"/>
-                <a:ea typeface="함초롬돋움"/>
-                <a:cs typeface="함초롬돋움"/>
+                <a:latin typeface="함초롬돋움" panose="020B0604000101010101" pitchFamily="50" charset="-127"/>
+                <a:ea typeface="함초롬돋움" panose="020B0604000101010101" pitchFamily="50" charset="-127"/>
+                <a:cs typeface="함초롬돋움" panose="020B0604000101010101" pitchFamily="50" charset="-127"/>
                 <a:sym typeface="Arial"/>
               </a:rPr>
               <a:t>high-variance / heavy-tail reward 분포에 </a:t>
             </a:r>
             <a:br>
               <a:rPr lang="ko" sz="1100" dirty="0">
-                <a:ea typeface="함초롬돋움"/>
-                <a:cs typeface="함초롬돋움"/>
+                <a:latin typeface="함초롬돋움" panose="020B0604000101010101" pitchFamily="50" charset="-127"/>
+                <a:ea typeface="함초롬돋움" panose="020B0604000101010101" pitchFamily="50" charset="-127"/>
+                <a:cs typeface="함초롬돋움" panose="020B0604000101010101" pitchFamily="50" charset="-127"/>
                 <a:sym typeface="Arial"/>
               </a:rPr>
             </a:br>
             <a:r>
               <a:rPr lang="ko" sz="1100" dirty="0">
-                <a:latin typeface="함초롬돋움"/>
-                <a:ea typeface="함초롬돋움"/>
-                <a:cs typeface="함초롬돋움"/>
+                <a:latin typeface="함초롬돋움" panose="020B0604000101010101" pitchFamily="50" charset="-127"/>
+                <a:ea typeface="함초롬돋움" panose="020B0604000101010101" pitchFamily="50" charset="-127"/>
+                <a:cs typeface="함초롬돋움" panose="020B0604000101010101" pitchFamily="50" charset="-127"/>
                 <a:sym typeface="Arial"/>
               </a:rPr>
               <a:t>민감하게 흔들릴 수 있는 형태</a:t>
             </a:r>
             <a:endParaRPr sz="1200" dirty="0">
-              <a:latin typeface="함초롬돋움"/>
-              <a:ea typeface="함초롬돋움"/>
-              <a:cs typeface="함초롬돋움"/>
+              <a:latin typeface="함초롬돋움" panose="020B0604000101010101" pitchFamily="50" charset="-127"/>
+              <a:ea typeface="함초롬돋움" panose="020B0604000101010101" pitchFamily="50" charset="-127"/>
+              <a:cs typeface="함초롬돋움" panose="020B0604000101010101" pitchFamily="50" charset="-127"/>
               <a:sym typeface="Arial"/>
             </a:endParaRPr>
           </a:p>
@@ -19848,21 +19823,23 @@
               <a:defRPr/>
             </a:pPr>
             <a:r>
-              <a:rPr lang="ko" sz="2100">
+              <a:rPr lang="ko" sz="2100" dirty="0">
                 <a:solidFill>
                   <a:srgbClr val="1C4587"/>
                 </a:solidFill>
-                <a:latin typeface="한컴 윤고딕 760"/>
-                <a:ea typeface="한컴 윤고딕 760"/>
+                <a:latin typeface="함초롬돋움" panose="020B0604000101010101" pitchFamily="50" charset="-127"/>
+                <a:ea typeface="함초롬돋움" panose="020B0604000101010101" pitchFamily="50" charset="-127"/>
+                <a:cs typeface="함초롬돋움" panose="020B0604000101010101" pitchFamily="50" charset="-127"/>
               </a:rPr>
               <a:t>토의 및 결론</a:t>
             </a:r>
-            <a:endParaRPr sz="2100" b="0">
+            <a:endParaRPr sz="2100" b="0" dirty="0">
               <a:solidFill>
                 <a:srgbClr val="1C4587"/>
               </a:solidFill>
-              <a:latin typeface="한컴 윤고딕 760"/>
-              <a:ea typeface="한컴 윤고딕 760"/>
+              <a:latin typeface="함초롬돋움" panose="020B0604000101010101" pitchFamily="50" charset="-127"/>
+              <a:ea typeface="함초롬돋움" panose="020B0604000101010101" pitchFamily="50" charset="-127"/>
+              <a:cs typeface="함초롬돋움" panose="020B0604000101010101" pitchFamily="50" charset="-127"/>
             </a:endParaRPr>
           </a:p>
         </p:txBody>
@@ -21642,17 +21619,23 @@
               <a:buNone/>
             </a:pPr>
             <a:r>
-              <a:rPr lang="ko" sz="4900">
+              <a:rPr lang="ko" sz="4900" dirty="0">
                 <a:solidFill>
                   <a:srgbClr val="1C4587"/>
                 </a:solidFill>
+                <a:latin typeface="함초롬돋움" panose="020B0604000101010101" pitchFamily="50" charset="-127"/>
+                <a:ea typeface="함초롬돋움" panose="020B0604000101010101" pitchFamily="50" charset="-127"/>
+                <a:cs typeface="함초롬돋움" panose="020B0604000101010101" pitchFamily="50" charset="-127"/>
               </a:rPr>
               <a:t>Thank you !</a:t>
             </a:r>
-            <a:endParaRPr sz="4200" b="0">
+            <a:endParaRPr sz="4200" b="0" dirty="0">
               <a:solidFill>
                 <a:srgbClr val="1C4587"/>
               </a:solidFill>
+              <a:latin typeface="함초롬돋움" panose="020B0604000101010101" pitchFamily="50" charset="-127"/>
+              <a:ea typeface="함초롬돋움" panose="020B0604000101010101" pitchFamily="50" charset="-127"/>
+              <a:cs typeface="함초롬돋움" panose="020B0604000101010101" pitchFamily="50" charset="-127"/>
             </a:endParaRPr>
           </a:p>
         </p:txBody>
@@ -21697,7 +21680,7 @@
         </p:nvSpPr>
         <p:spPr>
           <a:xfrm>
-            <a:off x="88975" y="4413025"/>
+            <a:off x="146726" y="4201270"/>
             <a:ext cx="2475600" cy="618600"/>
           </a:xfrm>
           <a:prstGeom prst="rect">
@@ -21728,10 +21711,18 @@
               <a:buNone/>
             </a:pPr>
             <a:r>
-              <a:rPr lang="ko" sz="1165"/>
+              <a:rPr lang="ko" sz="1165" dirty="0">
+                <a:latin typeface="함초롬돋움" panose="020B0604000101010101" pitchFamily="50" charset="-127"/>
+                <a:ea typeface="함초롬돋움" panose="020B0604000101010101" pitchFamily="50" charset="-127"/>
+                <a:cs typeface="함초롬돋움" panose="020B0604000101010101" pitchFamily="50" charset="-127"/>
+              </a:rPr>
               <a:t>조 이름 : 벼락을느껴⚡</a:t>
             </a:r>
-            <a:endParaRPr sz="1165"/>
+            <a:endParaRPr sz="1165" dirty="0">
+              <a:latin typeface="함초롬돋움" panose="020B0604000101010101" pitchFamily="50" charset="-127"/>
+              <a:ea typeface="함초롬돋움" panose="020B0604000101010101" pitchFamily="50" charset="-127"/>
+              <a:cs typeface="함초롬돋움" panose="020B0604000101010101" pitchFamily="50" charset="-127"/>
+            </a:endParaRPr>
           </a:p>
           <a:p>
             <a:pPr marL="0" lvl="0" indent="0" algn="l" rtl="0">
@@ -21748,10 +21739,18 @@
               <a:buNone/>
             </a:pPr>
             <a:r>
-              <a:rPr lang="ko" sz="1165"/>
+              <a:rPr lang="ko" sz="1165" dirty="0">
+                <a:latin typeface="함초롬돋움" panose="020B0604000101010101" pitchFamily="50" charset="-127"/>
+                <a:ea typeface="함초롬돋움" panose="020B0604000101010101" pitchFamily="50" charset="-127"/>
+                <a:cs typeface="함초롬돋움" panose="020B0604000101010101" pitchFamily="50" charset="-127"/>
+              </a:rPr>
               <a:t>20211204 이지우, 20231842 나정연 </a:t>
             </a:r>
-            <a:endParaRPr sz="1165"/>
+            <a:endParaRPr sz="1165" dirty="0">
+              <a:latin typeface="함초롬돋움" panose="020B0604000101010101" pitchFamily="50" charset="-127"/>
+              <a:ea typeface="함초롬돋움" panose="020B0604000101010101" pitchFamily="50" charset="-127"/>
+              <a:cs typeface="함초롬돋움" panose="020B0604000101010101" pitchFamily="50" charset="-127"/>
+            </a:endParaRPr>
           </a:p>
         </p:txBody>
       </p:sp>
